--- a/templates/modern_dark.pptx
+++ b/templates/modern_dark.pptx
@@ -398,6 +398,13 @@
             <a:schemeClr val="lt1"/>
           </a:fontRef>
         </p:style>
+        <p:txBody>
+          <a:bodyPr/>
+          <a:lstStyle/>
+          <a:p>
+            <a:endParaRPr lang="es-MX"/>
+          </a:p>
+        </p:txBody>
       </p:sp>
     </p:spTree>
     <p:extLst>
@@ -2846,6 +2853,13 @@
             <a:schemeClr val="lt1"/>
           </a:fontRef>
         </p:style>
+        <p:txBody>
+          <a:bodyPr/>
+          <a:lstStyle/>
+          <a:p>
+            <a:endParaRPr lang="es-MX"/>
+          </a:p>
+        </p:txBody>
       </p:sp>
       <p:sp>
         <p:nvSpPr>
@@ -3972,42 +3986,42 @@
 <file path=ppt/theme/theme1.xml><?xml version="1.0" encoding="utf-8"?>
 <a:theme xmlns:a="http://schemas.openxmlformats.org/drawingml/2006/main" name="Vista">
   <a:themeElements>
-    <a:clrScheme name="Vista">
+    <a:clrScheme name="Escala de grises">
       <a:dk1>
-        <a:srgbClr val="000000"/>
+        <a:sysClr val="windowText" lastClr="000000"/>
       </a:dk1>
       <a:lt1>
-        <a:srgbClr val="FFFFFF"/>
+        <a:sysClr val="window" lastClr="FFFFFF"/>
       </a:lt1>
       <a:dk2>
-        <a:srgbClr val="46464A"/>
+        <a:srgbClr val="000000"/>
       </a:dk2>
       <a:lt2>
-        <a:srgbClr val="D6D3CC"/>
+        <a:srgbClr val="F8F8F8"/>
       </a:lt2>
       <a:accent1>
-        <a:srgbClr val="6F6F74"/>
+        <a:srgbClr val="DDDDDD"/>
       </a:accent1>
       <a:accent2>
-        <a:srgbClr val="92A9B9"/>
+        <a:srgbClr val="B2B2B2"/>
       </a:accent2>
       <a:accent3>
-        <a:srgbClr val="A7B789"/>
+        <a:srgbClr val="969696"/>
       </a:accent3>
       <a:accent4>
-        <a:srgbClr val="B9A489"/>
+        <a:srgbClr val="808080"/>
       </a:accent4>
       <a:accent5>
-        <a:srgbClr val="8D6374"/>
+        <a:srgbClr val="5F5F5F"/>
       </a:accent5>
       <a:accent6>
-        <a:srgbClr val="9B7362"/>
+        <a:srgbClr val="4D4D4D"/>
       </a:accent6>
       <a:hlink>
-        <a:srgbClr val="67AABF"/>
+        <a:srgbClr val="5F5F5F"/>
       </a:hlink>
       <a:folHlink>
-        <a:srgbClr val="ABAFA5"/>
+        <a:srgbClr val="919191"/>
       </a:folHlink>
     </a:clrScheme>
     <a:fontScheme name="Vista">

--- a/templates/modern_dark.pptx
+++ b/templates/modern_dark.pptx
@@ -128,16 +128,6 @@
 <file path=ppt/slideLayouts/slideLayout1.xml><?xml version="1.0" encoding="utf-8"?>
 <p:sldLayout xmlns:a="http://schemas.openxmlformats.org/drawingml/2006/main" xmlns:r="http://schemas.openxmlformats.org/officeDocument/2006/relationships" xmlns:p="http://schemas.openxmlformats.org/presentationml/2006/main" showMasterSp="0" type="title" preserve="1">
   <p:cSld name="Diapositiva de título">
-    <p:bg>
-      <p:bgPr>
-        <a:solidFill>
-          <a:schemeClr val="bg2">
-            <a:lumMod val="75000"/>
-          </a:schemeClr>
-        </a:solidFill>
-        <a:effectLst/>
-      </p:bgPr>
-    </p:bg>
     <p:spTree>
       <p:nvGrpSpPr>
         <p:cNvPr id="1" name=""/>
@@ -414,7 +404,7 @@
     </p:extLst>
   </p:cSld>
   <p:clrMapOvr>
-    <a:overrideClrMapping bg1="dk1" tx1="lt1" bg2="dk2" tx2="lt2" accent1="accent1" accent2="accent2" accent3="accent3" accent4="accent4" accent5="accent5" accent6="accent6" hlink="hlink" folHlink="folHlink"/>
+    <a:masterClrMapping/>
   </p:clrMapOvr>
 </p:sldLayout>
 </file>
@@ -2797,7 +2787,7 @@
   <p:cSld>
     <p:bg>
       <p:bgRef idx="1001">
-        <a:schemeClr val="bg1"/>
+        <a:schemeClr val="bg2"/>
       </p:bgRef>
     </p:bg>
     <p:spTree>
@@ -3087,7 +3077,7 @@
       </p:ext>
     </p:extLst>
   </p:cSld>
-  <p:clrMap bg1="lt1" tx1="dk1" bg2="lt2" tx2="dk2" accent1="accent1" accent2="accent2" accent3="accent3" accent4="accent4" accent5="accent5" accent6="accent6" hlink="hlink" folHlink="folHlink"/>
+  <p:clrMap bg1="dk1" tx1="lt1" bg2="dk2" tx2="lt2" accent1="accent1" accent2="accent2" accent3="accent3" accent4="accent4" accent5="accent5" accent6="accent6" hlink="hlink" folHlink="folHlink"/>
   <p:sldLayoutIdLst>
     <p:sldLayoutId id="2147483679" r:id="rId1"/>
     <p:sldLayoutId id="2147483680" r:id="rId2"/>
